--- a/topic04/talk-1/InfoInsights1.pptx
+++ b/topic04/talk-1/InfoInsights1.pptx
@@ -166,7 +166,7 @@
   </p:defaultTextStyle>
   <p:extLst>
     <p:ext uri="{EFAFB233-063F-42B5-8137-9DF3F51BA10A}">
-      <p15:sldGuideLst xmlns:p15="http://schemas.microsoft.com/office/powerpoint/2012/main" xmlns="">
+      <p15:sldGuideLst xmlns="" xmlns:p15="http://schemas.microsoft.com/office/powerpoint/2012/main">
         <p15:guide id="1" orient="horz" pos="2160">
           <p15:clr>
             <a:srgbClr val="A4A3A4"/>
@@ -2479,7 +2479,7 @@
           </a:p>
           <a:p>
             <a:r>
-              <a:rPr lang="en-GB" sz="1200" kern="1200" smtClean="0">
+              <a:rPr lang="en-GB" sz="1200" kern="1200" dirty="0" smtClean="0">
                 <a:solidFill>
                   <a:schemeClr val="tx1"/>
                 </a:solidFill>
@@ -3402,12 +3402,68 @@
           <a:p>
             <a:r>
               <a:rPr lang="en-US" dirty="0" smtClean="0"/>
-              <a:t>consumes most time (80%), as real world data generally incomplete lacking attribute</a:t>
+              <a:t>consumes </a:t>
+            </a:r>
+            <a:r>
+              <a:rPr lang="en-US" dirty="0" smtClean="0"/>
+              <a:t>most time (80%), as real world data generally incomplete lacking attribute</a:t>
             </a:r>
             <a:r>
               <a:rPr lang="en-US" baseline="0" dirty="0" smtClean="0"/>
               <a:t> values, inconsistent convert raw data into minable dataset.</a:t>
             </a:r>
+          </a:p>
+          <a:p>
+            <a:endParaRPr lang="en-US" baseline="0" dirty="0" smtClean="0"/>
+          </a:p>
+          <a:p>
+            <a:r>
+              <a:rPr lang="en-US" sz="1200" kern="1200" dirty="0" smtClean="0">
+                <a:solidFill>
+                  <a:schemeClr val="tx1"/>
+                </a:solidFill>
+                <a:effectLst/>
+                <a:latin typeface="Times New Roman" pitchFamily="18" charset="0"/>
+                <a:ea typeface="+mn-ea"/>
+                <a:cs typeface="+mn-cs"/>
+              </a:rPr>
+              <a:t>relevance of data to goals, quality and limits on volume or types.: list of data to be used.</a:t>
+            </a:r>
+            <a:endParaRPr lang="en-GB" sz="1200" kern="1200" dirty="0" smtClean="0">
+              <a:solidFill>
+                <a:schemeClr val="tx1"/>
+              </a:solidFill>
+              <a:effectLst/>
+              <a:latin typeface="Times New Roman" pitchFamily="18" charset="0"/>
+              <a:ea typeface="+mn-ea"/>
+              <a:cs typeface="+mn-cs"/>
+            </a:endParaRPr>
+          </a:p>
+          <a:p>
+            <a:r>
+              <a:rPr lang="en-US" sz="1200" kern="1200" dirty="0" smtClean="0">
+                <a:solidFill>
+                  <a:schemeClr val="tx1"/>
+                </a:solidFill>
+                <a:effectLst/>
+                <a:latin typeface="Times New Roman" pitchFamily="18" charset="0"/>
+                <a:ea typeface="+mn-ea"/>
+                <a:cs typeface="+mn-cs"/>
+              </a:rPr>
+              <a:t>Some cases datasets may have billions of records, one may need a sample, a subset of the data for analysis. The analyst must be extremely careful in selecting a subset of the data that reflects the essence of the complete dataset and is not specific to a subgroup or subcategory. For skewed data(data that has changed), straightforward random sampling may not be sufficient, stratified sampling (a proportional representation of diff subgroups in the data is represented in the sample dataset may be required. </a:t>
+            </a:r>
+            <a:endParaRPr lang="en-GB" sz="1200" kern="1200" dirty="0" smtClean="0">
+              <a:solidFill>
+                <a:schemeClr val="tx1"/>
+              </a:solidFill>
+              <a:effectLst/>
+              <a:latin typeface="Times New Roman" pitchFamily="18" charset="0"/>
+              <a:ea typeface="+mn-ea"/>
+              <a:cs typeface="+mn-cs"/>
+            </a:endParaRPr>
+          </a:p>
+          <a:p>
+            <a:endParaRPr lang="en-US" baseline="0" dirty="0" smtClean="0"/>
           </a:p>
         </p:txBody>
       </p:sp>
@@ -3498,7 +3554,56 @@
           <a:bodyPr/>
           <a:lstStyle/>
           <a:p>
-            <a:endParaRPr lang="en-GB"/>
+            <a:r>
+              <a:rPr lang="en-GB" sz="1200" b="1" kern="1200" dirty="0" smtClean="0">
+                <a:solidFill>
+                  <a:schemeClr val="tx1"/>
+                </a:solidFill>
+                <a:effectLst/>
+                <a:latin typeface="Times New Roman" pitchFamily="18" charset="0"/>
+                <a:ea typeface="+mn-ea"/>
+                <a:cs typeface="+mn-cs"/>
+              </a:rPr>
+              <a:t>Select data:</a:t>
+            </a:r>
+            <a:endParaRPr lang="en-GB" sz="1200" kern="1200" dirty="0" smtClean="0">
+              <a:solidFill>
+                <a:schemeClr val="tx1"/>
+              </a:solidFill>
+              <a:effectLst/>
+              <a:latin typeface="Times New Roman" pitchFamily="18" charset="0"/>
+              <a:ea typeface="+mn-ea"/>
+              <a:cs typeface="+mn-cs"/>
+            </a:endParaRPr>
+          </a:p>
+          <a:p>
+            <a:r>
+              <a:rPr lang="en-GB" sz="1200" kern="1200" dirty="0" err="1" smtClean="0">
+                <a:solidFill>
+                  <a:schemeClr val="tx1"/>
+                </a:solidFill>
+                <a:effectLst/>
+                <a:latin typeface="Times New Roman" pitchFamily="18" charset="0"/>
+                <a:ea typeface="+mn-ea"/>
+                <a:cs typeface="+mn-cs"/>
+              </a:rPr>
+              <a:t>inhouse</a:t>
+            </a:r>
+            <a:r>
+              <a:rPr lang="en-GB" sz="1200" kern="1200" dirty="0" smtClean="0">
+                <a:solidFill>
+                  <a:schemeClr val="tx1"/>
+                </a:solidFill>
+                <a:effectLst/>
+                <a:latin typeface="Times New Roman" pitchFamily="18" charset="0"/>
+                <a:ea typeface="+mn-ea"/>
+                <a:cs typeface="+mn-cs"/>
+              </a:rPr>
+              <a:t> and external sources, tests to decide if fields included, selection criteria reviewed in light of data quality and exploring data, subsets that meet certain criteria, reduce size of sets, weighing given to attributes of different importance or to different values of the same attribute.</a:t>
+            </a:r>
+          </a:p>
+          <a:p>
+            <a:endParaRPr lang="en-GB" dirty="0"/>
           </a:p>
         </p:txBody>
       </p:sp>
@@ -3588,7 +3693,163 @@
           <a:bodyPr/>
           <a:lstStyle/>
           <a:p>
-            <a:endParaRPr lang="en-GB"/>
+            <a:r>
+              <a:rPr lang="en-GB" sz="1200" kern="1200" dirty="0" smtClean="0">
+                <a:solidFill>
+                  <a:schemeClr val="tx1"/>
+                </a:solidFill>
+                <a:effectLst/>
+                <a:latin typeface="Times New Roman" pitchFamily="18" charset="0"/>
+                <a:ea typeface="+mn-ea"/>
+                <a:cs typeface="+mn-cs"/>
+              </a:rPr>
+              <a:t>Clean Data</a:t>
+            </a:r>
+          </a:p>
+          <a:p>
+            <a:r>
+              <a:rPr lang="en-GB" sz="1200" kern="1200" dirty="0" smtClean="0">
+                <a:solidFill>
+                  <a:schemeClr val="tx1"/>
+                </a:solidFill>
+                <a:effectLst/>
+                <a:latin typeface="Times New Roman" pitchFamily="18" charset="0"/>
+                <a:ea typeface="+mn-ea"/>
+                <a:cs typeface="+mn-cs"/>
+              </a:rPr>
+              <a:t>what is noise? extreme data readings, measurement error due to sensors, rounding error, </a:t>
+            </a:r>
+            <a:r>
+              <a:rPr lang="en-GB" sz="1200" kern="1200" dirty="0" err="1" smtClean="0">
+                <a:solidFill>
+                  <a:schemeClr val="tx1"/>
+                </a:solidFill>
+                <a:effectLst/>
+                <a:latin typeface="Times New Roman" pitchFamily="18" charset="0"/>
+                <a:ea typeface="+mn-ea"/>
+                <a:cs typeface="+mn-cs"/>
+              </a:rPr>
+              <a:t>trunc</a:t>
+            </a:r>
+            <a:r>
+              <a:rPr lang="en-GB" sz="1200" kern="1200" dirty="0" smtClean="0">
+                <a:solidFill>
+                  <a:schemeClr val="tx1"/>
+                </a:solidFill>
+                <a:effectLst/>
+                <a:latin typeface="Times New Roman" pitchFamily="18" charset="0"/>
+                <a:ea typeface="+mn-ea"/>
+                <a:cs typeface="+mn-cs"/>
+              </a:rPr>
+              <a:t> error, conversion error, other data that is background data but not what you are directly looking at</a:t>
+            </a:r>
+          </a:p>
+          <a:p>
+            <a:r>
+              <a:rPr lang="en-GB" sz="1200" kern="1200" dirty="0" smtClean="0">
+                <a:solidFill>
+                  <a:schemeClr val="tx1"/>
+                </a:solidFill>
+                <a:effectLst/>
+                <a:latin typeface="Times New Roman" pitchFamily="18" charset="0"/>
+                <a:ea typeface="+mn-ea"/>
+                <a:cs typeface="+mn-cs"/>
+              </a:rPr>
+              <a:t>Correct, remove or ignore noise (some </a:t>
+            </a:r>
+            <a:r>
+              <a:rPr lang="en-GB" sz="1200" kern="1200" dirty="0" err="1" smtClean="0">
+                <a:solidFill>
+                  <a:schemeClr val="tx1"/>
+                </a:solidFill>
+                <a:effectLst/>
+                <a:latin typeface="Times New Roman" pitchFamily="18" charset="0"/>
+                <a:ea typeface="+mn-ea"/>
+                <a:cs typeface="+mn-cs"/>
+              </a:rPr>
+              <a:t>fileds</a:t>
+            </a:r>
+            <a:r>
+              <a:rPr lang="en-GB" sz="1200" kern="1200" dirty="0" smtClean="0">
+                <a:solidFill>
+                  <a:schemeClr val="tx1"/>
+                </a:solidFill>
+                <a:effectLst/>
+                <a:latin typeface="Times New Roman" pitchFamily="18" charset="0"/>
+                <a:ea typeface="+mn-ea"/>
+                <a:cs typeface="+mn-cs"/>
+              </a:rPr>
+              <a:t> may be irrelevant to the </a:t>
+            </a:r>
+            <a:r>
+              <a:rPr lang="en-GB" sz="1200" kern="1200" dirty="0" err="1" smtClean="0">
+                <a:solidFill>
+                  <a:schemeClr val="tx1"/>
+                </a:solidFill>
+                <a:effectLst/>
+                <a:latin typeface="Times New Roman" pitchFamily="18" charset="0"/>
+                <a:ea typeface="+mn-ea"/>
+                <a:cs typeface="+mn-cs"/>
+              </a:rPr>
+              <a:t>dm</a:t>
+            </a:r>
+            <a:r>
+              <a:rPr lang="en-GB" sz="1200" kern="1200" dirty="0" smtClean="0">
+                <a:solidFill>
+                  <a:schemeClr val="tx1"/>
+                </a:solidFill>
+                <a:effectLst/>
+                <a:latin typeface="Times New Roman" pitchFamily="18" charset="0"/>
+                <a:ea typeface="+mn-ea"/>
+                <a:cs typeface="+mn-cs"/>
+              </a:rPr>
+              <a:t> goals therefore noise in those fields has no significance. but you should document it and why.</a:t>
+            </a:r>
+          </a:p>
+          <a:p>
+            <a:r>
+              <a:rPr lang="en-GB" sz="1200" kern="1200" dirty="0" smtClean="0">
+                <a:solidFill>
+                  <a:schemeClr val="tx1"/>
+                </a:solidFill>
+                <a:effectLst/>
+                <a:latin typeface="Times New Roman" pitchFamily="18" charset="0"/>
+                <a:ea typeface="+mn-ea"/>
+                <a:cs typeface="+mn-cs"/>
+              </a:rPr>
+              <a:t>special values: questions in a survey not answered, truncated data</a:t>
+            </a:r>
+          </a:p>
+          <a:p>
+            <a:r>
+              <a:rPr lang="en-GB" sz="1200" kern="1200" dirty="0" smtClean="0">
+                <a:solidFill>
+                  <a:schemeClr val="tx1"/>
+                </a:solidFill>
+                <a:effectLst/>
+                <a:latin typeface="Times New Roman" pitchFamily="18" charset="0"/>
+                <a:ea typeface="+mn-ea"/>
+                <a:cs typeface="+mn-cs"/>
+              </a:rPr>
+              <a:t>revisit selection in light of cleaning</a:t>
+            </a:r>
+          </a:p>
+          <a:p>
+            <a:r>
+              <a:rPr lang="en-GB" sz="1200" kern="1200" dirty="0" smtClean="0">
+                <a:solidFill>
+                  <a:schemeClr val="tx1"/>
+                </a:solidFill>
+                <a:effectLst/>
+                <a:latin typeface="Times New Roman" pitchFamily="18" charset="0"/>
+                <a:ea typeface="+mn-ea"/>
+                <a:cs typeface="+mn-cs"/>
+              </a:rPr>
+              <a:t>data cleaning report: decisions and actions to address data quality and possible effects on results.</a:t>
+            </a:r>
+          </a:p>
+          <a:p>
+            <a:endParaRPr lang="en-GB" dirty="0"/>
           </a:p>
         </p:txBody>
       </p:sp>
@@ -3678,7 +3939,101 @@
           <a:bodyPr/>
           <a:lstStyle/>
           <a:p>
-            <a:endParaRPr lang="en-GB"/>
+            <a:r>
+              <a:rPr lang="en-GB" sz="1200" kern="1200" dirty="0" smtClean="0">
+                <a:solidFill>
+                  <a:schemeClr val="tx1"/>
+                </a:solidFill>
+                <a:effectLst/>
+                <a:latin typeface="Times New Roman" pitchFamily="18" charset="0"/>
+                <a:ea typeface="+mn-ea"/>
+                <a:cs typeface="+mn-cs"/>
+              </a:rPr>
+              <a:t>construct data:</a:t>
+            </a:r>
+          </a:p>
+          <a:p>
+            <a:r>
+              <a:rPr lang="en-GB" sz="1200" kern="1200" dirty="0" smtClean="0">
+                <a:solidFill>
+                  <a:schemeClr val="tx1"/>
+                </a:solidFill>
+                <a:effectLst/>
+                <a:latin typeface="Times New Roman" pitchFamily="18" charset="0"/>
+                <a:ea typeface="+mn-ea"/>
+                <a:cs typeface="+mn-cs"/>
+              </a:rPr>
+              <a:t>derived attributes are new that are constructed from one or more existing attributes in the same record </a:t>
+            </a:r>
+            <a:r>
+              <a:rPr lang="en-GB" sz="1200" kern="1200" dirty="0" err="1" smtClean="0">
+                <a:solidFill>
+                  <a:schemeClr val="tx1"/>
+                </a:solidFill>
+                <a:effectLst/>
+                <a:latin typeface="Times New Roman" pitchFamily="18" charset="0"/>
+                <a:ea typeface="+mn-ea"/>
+                <a:cs typeface="+mn-cs"/>
+              </a:rPr>
+              <a:t>eg</a:t>
+            </a:r>
+            <a:r>
+              <a:rPr lang="en-GB" sz="1200" kern="1200" dirty="0" smtClean="0">
+                <a:solidFill>
+                  <a:schemeClr val="tx1"/>
+                </a:solidFill>
+                <a:effectLst/>
+                <a:latin typeface="Times New Roman" pitchFamily="18" charset="0"/>
+                <a:ea typeface="+mn-ea"/>
+                <a:cs typeface="+mn-cs"/>
+              </a:rPr>
+              <a:t> area=width*height</a:t>
+            </a:r>
+          </a:p>
+          <a:p>
+            <a:r>
+              <a:rPr lang="en-GB" sz="1200" kern="1200" dirty="0" smtClean="0">
+                <a:solidFill>
+                  <a:schemeClr val="tx1"/>
+                </a:solidFill>
+                <a:effectLst/>
+                <a:latin typeface="Times New Roman" pitchFamily="18" charset="0"/>
+                <a:ea typeface="+mn-ea"/>
+                <a:cs typeface="+mn-cs"/>
+              </a:rPr>
+              <a:t>the construction of a model may require derived data, business knowledge may inform us of some important fact that should be represented in the dataset, modelling algorithm may only use certain data types, attributes may be normalised so that particular attributes don’t dominate, or add a weighting attribute to show importance. how to construct missing attributes? aggregate, average?</a:t>
+            </a:r>
+          </a:p>
+          <a:p>
+            <a:r>
+              <a:rPr lang="en-GB" sz="1200" kern="1200" dirty="0" smtClean="0">
+                <a:solidFill>
+                  <a:schemeClr val="tx1"/>
+                </a:solidFill>
+                <a:effectLst/>
+                <a:latin typeface="Times New Roman" pitchFamily="18" charset="0"/>
+                <a:ea typeface="+mn-ea"/>
+                <a:cs typeface="+mn-cs"/>
+              </a:rPr>
+              <a:t>attribute transformations: convert ages to ranges, or categories to number fields</a:t>
+            </a:r>
+          </a:p>
+          <a:p>
+            <a:r>
+              <a:rPr lang="en-GB" sz="1200" kern="1200" dirty="0" smtClean="0">
+                <a:solidFill>
+                  <a:schemeClr val="tx1"/>
+                </a:solidFill>
+                <a:effectLst/>
+                <a:latin typeface="Times New Roman" pitchFamily="18" charset="0"/>
+                <a:ea typeface="+mn-ea"/>
+                <a:cs typeface="+mn-cs"/>
+              </a:rPr>
+              <a:t>generate new records: completely new, add knowledge or represent data not otherwise represented</a:t>
+            </a:r>
+          </a:p>
+          <a:p>
+            <a:endParaRPr lang="en-GB" dirty="0"/>
           </a:p>
         </p:txBody>
       </p:sp>
@@ -3768,7 +4123,35 @@
           <a:bodyPr/>
           <a:lstStyle/>
           <a:p>
-            <a:endParaRPr lang="en-GB"/>
+            <a:r>
+              <a:rPr lang="en-GB" sz="1200" kern="1200" dirty="0" smtClean="0">
+                <a:solidFill>
+                  <a:schemeClr val="tx1"/>
+                </a:solidFill>
+                <a:effectLst/>
+                <a:latin typeface="Times New Roman" pitchFamily="18" charset="0"/>
+                <a:ea typeface="+mn-ea"/>
+                <a:cs typeface="+mn-cs"/>
+              </a:rPr>
+              <a:t>integrate data</a:t>
+            </a:r>
+          </a:p>
+          <a:p>
+            <a:r>
+              <a:rPr lang="en-GB" sz="1200" kern="1200" dirty="0" smtClean="0">
+                <a:solidFill>
+                  <a:schemeClr val="tx1"/>
+                </a:solidFill>
+                <a:effectLst/>
+                <a:latin typeface="Times New Roman" pitchFamily="18" charset="0"/>
+                <a:ea typeface="+mn-ea"/>
+                <a:cs typeface="+mn-cs"/>
+              </a:rPr>
+              <a:t>combine info from multiple tables or sources to create new records or values, join tables with diff info about same object, may generate new records, aggregate?</a:t>
+            </a:r>
+          </a:p>
+          <a:p>
+            <a:endParaRPr lang="en-GB" dirty="0"/>
           </a:p>
         </p:txBody>
       </p:sp>
@@ -3857,6 +4240,84 @@
         <p:txBody>
           <a:bodyPr/>
           <a:lstStyle/>
+          <a:p>
+            <a:pPr marL="0" marR="0" indent="0" algn="l" defTabSz="914400" rtl="0" eaLnBrk="0" fontAlgn="base" latinLnBrk="0" hangingPunct="0">
+              <a:lnSpc>
+                <a:spcPct val="100000"/>
+              </a:lnSpc>
+              <a:spcBef>
+                <a:spcPct val="30000"/>
+              </a:spcBef>
+              <a:spcAft>
+                <a:spcPct val="0"/>
+              </a:spcAft>
+              <a:buClrTx/>
+              <a:buSzTx/>
+              <a:buFontTx/>
+              <a:buNone/>
+              <a:tabLst/>
+              <a:defRPr/>
+            </a:pPr>
+            <a:r>
+              <a:rPr lang="en-GB" sz="1200" kern="1200" dirty="0" smtClean="0">
+                <a:solidFill>
+                  <a:schemeClr val="tx1"/>
+                </a:solidFill>
+                <a:effectLst/>
+                <a:latin typeface="Times New Roman" pitchFamily="18" charset="0"/>
+                <a:ea typeface="+mn-ea"/>
+                <a:cs typeface="+mn-cs"/>
+              </a:rPr>
+              <a:t>format data</a:t>
+            </a:r>
+            <a:br>
+              <a:rPr lang="en-GB" sz="1200" kern="1200" dirty="0" smtClean="0">
+                <a:solidFill>
+                  <a:schemeClr val="tx1"/>
+                </a:solidFill>
+                <a:effectLst/>
+                <a:latin typeface="Times New Roman" pitchFamily="18" charset="0"/>
+                <a:ea typeface="+mn-ea"/>
+                <a:cs typeface="+mn-cs"/>
+              </a:rPr>
+            </a:br>
+            <a:r>
+              <a:rPr lang="en-GB" sz="1200" kern="1200" dirty="0" smtClean="0">
+                <a:solidFill>
+                  <a:schemeClr val="tx1"/>
+                </a:solidFill>
+                <a:effectLst/>
+                <a:latin typeface="Times New Roman" pitchFamily="18" charset="0"/>
+                <a:ea typeface="+mn-ea"/>
+                <a:cs typeface="+mn-cs"/>
+              </a:rPr>
+              <a:t>formatting and syntactic modifications that do not change meaning but may be required by the modelling tool. some tools require the first attribute to be unique the last to be the output </a:t>
+            </a:r>
+            <a:r>
+              <a:rPr lang="en-GB" sz="1200" kern="1200" dirty="0" err="1" smtClean="0">
+                <a:solidFill>
+                  <a:schemeClr val="tx1"/>
+                </a:solidFill>
+                <a:effectLst/>
+                <a:latin typeface="Times New Roman" pitchFamily="18" charset="0"/>
+                <a:ea typeface="+mn-ea"/>
+                <a:cs typeface="+mn-cs"/>
+              </a:rPr>
+              <a:t>etc</a:t>
+            </a:r>
+            <a:r>
+              <a:rPr lang="en-GB" sz="1200" kern="1200" smtClean="0">
+                <a:solidFill>
+                  <a:schemeClr val="tx1"/>
+                </a:solidFill>
+                <a:effectLst/>
+                <a:latin typeface="Times New Roman" pitchFamily="18" charset="0"/>
+                <a:ea typeface="+mn-ea"/>
+                <a:cs typeface="+mn-cs"/>
+              </a:rPr>
+              <a:t>, may need to change the order of records etc.</a:t>
+            </a:r>
+          </a:p>
           <a:p>
             <a:endParaRPr lang="en-GB"/>
           </a:p>
@@ -5311,7 +5772,7 @@
           <a:p>
             <a:fld id="{444FA04C-D7CF-4861-95F0-3F5ACF508755}" type="datetimeFigureOut">
               <a:rPr lang="en-US" smtClean="0"/>
-              <a:t>2/25/2016</a:t>
+              <a:t>2/29/2016</a:t>
             </a:fld>
             <a:endParaRPr lang="en-US" dirty="0"/>
           </a:p>
@@ -5477,7 +5938,7 @@
           <a:p>
             <a:fld id="{4B45B24B-F41A-4540-8EEC-C29B4F79802D}" type="datetimeFigureOut">
               <a:rPr lang="en-US" smtClean="0"/>
-              <a:t>2/25/2016</a:t>
+              <a:t>2/29/2016</a:t>
             </a:fld>
             <a:endParaRPr lang="en-US" dirty="0"/>
           </a:p>
@@ -5653,7 +6114,7 @@
           <a:p>
             <a:fld id="{CFBF989E-5397-49EE-B0F5-E72D9FFD7EC0}" type="datetimeFigureOut">
               <a:rPr lang="en-US" smtClean="0"/>
-              <a:t>2/25/2016</a:t>
+              <a:t>2/29/2016</a:t>
             </a:fld>
             <a:endParaRPr lang="en-US" dirty="0"/>
           </a:p>
@@ -5819,7 +6280,7 @@
           <a:p>
             <a:fld id="{0D6BC42F-EA91-460E-9436-9A6C9B1CB0C6}" type="datetimeFigureOut">
               <a:rPr lang="en-US" smtClean="0"/>
-              <a:t>2/25/2016</a:t>
+              <a:t>2/29/2016</a:t>
             </a:fld>
             <a:endParaRPr lang="en-US" dirty="0"/>
           </a:p>
@@ -6061,7 +6522,7 @@
           <a:p>
             <a:fld id="{823D4350-0632-4F67-B357-AFC21C62564D}" type="datetimeFigureOut">
               <a:rPr lang="en-US" smtClean="0"/>
-              <a:t>2/25/2016</a:t>
+              <a:t>2/29/2016</a:t>
             </a:fld>
             <a:endParaRPr lang="en-US" dirty="0"/>
           </a:p>
@@ -6345,7 +6806,7 @@
           <a:p>
             <a:fld id="{87F31A35-803D-44FA-BA88-E6B5FB347587}" type="datetimeFigureOut">
               <a:rPr lang="en-US" smtClean="0"/>
-              <a:t>2/25/2016</a:t>
+              <a:t>2/29/2016</a:t>
             </a:fld>
             <a:endParaRPr lang="en-US" dirty="0"/>
           </a:p>
@@ -6774,7 +7235,7 @@
           <a:p>
             <a:fld id="{14956CED-B3EE-49D9-9922-CBB48E543356}" type="datetimeFigureOut">
               <a:rPr lang="en-US" smtClean="0"/>
-              <a:t>2/25/2016</a:t>
+              <a:t>2/29/2016</a:t>
             </a:fld>
             <a:endParaRPr lang="en-US" dirty="0"/>
           </a:p>
@@ -6887,7 +7348,7 @@
           <a:p>
             <a:fld id="{3F9237B0-CC05-45CB-9D8E-44851499E325}" type="datetimeFigureOut">
               <a:rPr lang="en-US" smtClean="0"/>
-              <a:t>2/25/2016</a:t>
+              <a:t>2/29/2016</a:t>
             </a:fld>
             <a:endParaRPr lang="en-US" dirty="0"/>
           </a:p>
@@ -6977,7 +7438,7 @@
           <a:p>
             <a:fld id="{B7B41777-83B6-4CFA-89A1-52400FB2059F}" type="datetimeFigureOut">
               <a:rPr lang="en-US" smtClean="0"/>
-              <a:t>2/25/2016</a:t>
+              <a:t>2/29/2016</a:t>
             </a:fld>
             <a:endParaRPr lang="en-US" dirty="0"/>
           </a:p>
@@ -7166,7 +7627,7 @@
           <a:p>
             <a:fld id="{6F6AA2A1-C9A8-42DC-AF5F-29D58FE3A81E}" type="datetimeFigureOut">
               <a:rPr lang="en-US" smtClean="0"/>
-              <a:t>2/25/2016</a:t>
+              <a:t>2/29/2016</a:t>
             </a:fld>
             <a:endParaRPr lang="en-US" dirty="0"/>
           </a:p>
@@ -7485,7 +7946,7 @@
           <a:p>
             <a:fld id="{18FC28B6-2144-4760-B3DF-18C646FA52B1}" type="datetimeFigureOut">
               <a:rPr lang="en-US" smtClean="0"/>
-              <a:t>2/25/2016</a:t>
+              <a:t>2/29/2016</a:t>
             </a:fld>
             <a:endParaRPr lang="en-US" dirty="0"/>
           </a:p>
@@ -7866,7 +8327,7 @@
           <a:p>
             <a:fld id="{251F38EA-B09F-4C97-9264-D1353869D1EA}" type="datetimeFigureOut">
               <a:rPr lang="en-US" smtClean="0"/>
-              <a:t>2/25/2016</a:t>
+              <a:t>2/29/2016</a:t>
             </a:fld>
             <a:endParaRPr lang="en-US" dirty="0"/>
           </a:p>
@@ -8308,13 +8769,8 @@
             <a:pPr algn="l"/>
             <a:r>
               <a:rPr lang="en-IE" sz="2000" b="1" dirty="0" smtClean="0"/>
-              <a:t>Department Computing </a:t>
-            </a:r>
-            <a:r>
-              <a:rPr lang="en-IE" sz="2000" b="1" dirty="0" smtClean="0"/>
-              <a:t>and Maths </a:t>
-            </a:r>
-            <a:endParaRPr lang="en-IE" sz="2000" b="1" dirty="0" smtClean="0"/>
+              <a:t>Department Computing and Maths </a:t>
+            </a:r>
           </a:p>
           <a:p>
             <a:pPr algn="l"/>
